--- a/Class Slides 2024/Class 17.pptx
+++ b/Class Slides 2024/Class 17.pptx
@@ -5,7 +5,7 @@
     <p:sldMasterId id="2147483648" r:id="rId1"/>
   </p:sldMasterIdLst>
   <p:notesMasterIdLst>
-    <p:notesMasterId r:id="rId21"/>
+    <p:notesMasterId r:id="rId15"/>
   </p:notesMasterIdLst>
   <p:sldIdLst>
     <p:sldId id="256" r:id="rId2"/>
@@ -21,12 +21,6 @@
     <p:sldId id="290" r:id="rId12"/>
     <p:sldId id="286" r:id="rId13"/>
     <p:sldId id="258" r:id="rId14"/>
-    <p:sldId id="281" r:id="rId15"/>
-    <p:sldId id="260" r:id="rId16"/>
-    <p:sldId id="282" r:id="rId17"/>
-    <p:sldId id="283" r:id="rId18"/>
-    <p:sldId id="284" r:id="rId19"/>
-    <p:sldId id="285" r:id="rId20"/>
   </p:sldIdLst>
   <p:sldSz cx="12192000" cy="6858000"/>
   <p:notesSz cx="7102475" cy="9388475"/>
@@ -4344,819 +4338,6 @@
     <p:extLst>
       <p:ext uri="{BB962C8B-B14F-4D97-AF65-F5344CB8AC3E}">
         <p14:creationId xmlns:p14="http://schemas.microsoft.com/office/powerpoint/2010/main" val="1615076170"/>
-      </p:ext>
-    </p:extLst>
-  </p:cSld>
-  <p:clrMapOvr>
-    <a:masterClrMapping/>
-  </p:clrMapOvr>
-</p:sld>
-</file>
-
-<file path=ppt/slides/slide14.xml><?xml version="1.0" encoding="utf-8"?>
-<p:sld xmlns:a="http://schemas.openxmlformats.org/drawingml/2006/main" xmlns:r="http://schemas.openxmlformats.org/officeDocument/2006/relationships" xmlns:p="http://schemas.openxmlformats.org/presentationml/2006/main">
-  <p:cSld>
-    <p:spTree>
-      <p:nvGrpSpPr>
-        <p:cNvPr id="1" name=""/>
-        <p:cNvGrpSpPr/>
-        <p:nvPr/>
-      </p:nvGrpSpPr>
-      <p:grpSpPr>
-        <a:xfrm>
-          <a:off x="0" y="0"/>
-          <a:ext cx="0" cy="0"/>
-          <a:chOff x="0" y="0"/>
-          <a:chExt cx="0" cy="0"/>
-        </a:xfrm>
-      </p:grpSpPr>
-      <p:sp>
-        <p:nvSpPr>
-          <p:cNvPr id="2" name="Title 1">
-            <a:extLst>
-              <a:ext uri="{FF2B5EF4-FFF2-40B4-BE49-F238E27FC236}">
-                <a16:creationId xmlns:a16="http://schemas.microsoft.com/office/drawing/2014/main" id="{EFE4352B-2AE2-33D6-4F76-5B83DFB3608E}"/>
-              </a:ext>
-            </a:extLst>
-          </p:cNvPr>
-          <p:cNvSpPr>
-            <a:spLocks noGrp="1"/>
-          </p:cNvSpPr>
-          <p:nvPr>
-            <p:ph type="title"/>
-          </p:nvPr>
-        </p:nvSpPr>
-        <p:spPr/>
-        <p:txBody>
-          <a:bodyPr/>
-          <a:lstStyle/>
-          <a:p>
-            <a:r>
-              <a:rPr lang="en-US" dirty="0"/>
-              <a:t>Sugar and hyperactivity in children</a:t>
-            </a:r>
-          </a:p>
-        </p:txBody>
-      </p:sp>
-      <p:sp>
-        <p:nvSpPr>
-          <p:cNvPr id="3" name="Content Placeholder 2">
-            <a:extLst>
-              <a:ext uri="{FF2B5EF4-FFF2-40B4-BE49-F238E27FC236}">
-                <a16:creationId xmlns:a16="http://schemas.microsoft.com/office/drawing/2014/main" id="{5AAEECDB-5970-4809-995D-211026070402}"/>
-              </a:ext>
-            </a:extLst>
-          </p:cNvPr>
-          <p:cNvSpPr>
-            <a:spLocks noGrp="1"/>
-          </p:cNvSpPr>
-          <p:nvPr>
-            <p:ph idx="1"/>
-          </p:nvPr>
-        </p:nvSpPr>
-        <p:spPr/>
-        <p:txBody>
-          <a:bodyPr/>
-          <a:lstStyle/>
-          <a:p>
-            <a:r>
-              <a:rPr lang="en-US" dirty="0"/>
-              <a:t>“Sugar rush”: candy, cake, etc., leads to high-activity behavior in children</a:t>
-            </a:r>
-          </a:p>
-          <a:p>
-            <a:endParaRPr lang="en-US" dirty="0"/>
-          </a:p>
-          <a:p>
-            <a:r>
-              <a:rPr lang="en-US" dirty="0"/>
-              <a:t>Why do many people think this is true?</a:t>
-            </a:r>
-          </a:p>
-          <a:p>
-            <a:endParaRPr lang="en-US" dirty="0"/>
-          </a:p>
-          <a:p>
-            <a:r>
-              <a:rPr lang="en-US" dirty="0"/>
-              <a:t>What is the role of experimental versus non-experimental data in this common belief?</a:t>
-            </a:r>
-          </a:p>
-          <a:p>
-            <a:pPr lvl="1"/>
-            <a:endParaRPr lang="en-US" dirty="0"/>
-          </a:p>
-        </p:txBody>
-      </p:sp>
-    </p:spTree>
-    <p:extLst>
-      <p:ext uri="{BB962C8B-B14F-4D97-AF65-F5344CB8AC3E}">
-        <p14:creationId xmlns:p14="http://schemas.microsoft.com/office/powerpoint/2010/main" val="3464170284"/>
-      </p:ext>
-    </p:extLst>
-  </p:cSld>
-  <p:clrMapOvr>
-    <a:masterClrMapping/>
-  </p:clrMapOvr>
-</p:sld>
-</file>
-
-<file path=ppt/slides/slide15.xml><?xml version="1.0" encoding="utf-8"?>
-<p:sld xmlns:a="http://schemas.openxmlformats.org/drawingml/2006/main" xmlns:r="http://schemas.openxmlformats.org/officeDocument/2006/relationships" xmlns:p="http://schemas.openxmlformats.org/presentationml/2006/main">
-  <p:cSld>
-    <p:spTree>
-      <p:nvGrpSpPr>
-        <p:cNvPr id="1" name=""/>
-        <p:cNvGrpSpPr/>
-        <p:nvPr/>
-      </p:nvGrpSpPr>
-      <p:grpSpPr>
-        <a:xfrm>
-          <a:off x="0" y="0"/>
-          <a:ext cx="0" cy="0"/>
-          <a:chOff x="0" y="0"/>
-          <a:chExt cx="0" cy="0"/>
-        </a:xfrm>
-      </p:grpSpPr>
-      <p:sp>
-        <p:nvSpPr>
-          <p:cNvPr id="2" name="Title 1">
-            <a:extLst>
-              <a:ext uri="{FF2B5EF4-FFF2-40B4-BE49-F238E27FC236}">
-                <a16:creationId xmlns:a16="http://schemas.microsoft.com/office/drawing/2014/main" id="{3F11BA56-67CC-7303-9008-090FFB702A8B}"/>
-              </a:ext>
-            </a:extLst>
-          </p:cNvPr>
-          <p:cNvSpPr>
-            <a:spLocks noGrp="1"/>
-          </p:cNvSpPr>
-          <p:nvPr>
-            <p:ph type="title"/>
-          </p:nvPr>
-        </p:nvSpPr>
-        <p:spPr/>
-        <p:txBody>
-          <a:bodyPr/>
-          <a:lstStyle/>
-          <a:p>
-            <a:r>
-              <a:rPr lang="en-US" dirty="0"/>
-              <a:t>Experimental Research on Sugar</a:t>
-            </a:r>
-          </a:p>
-        </p:txBody>
-      </p:sp>
-      <p:sp>
-        <p:nvSpPr>
-          <p:cNvPr id="3" name="Content Placeholder 2">
-            <a:extLst>
-              <a:ext uri="{FF2B5EF4-FFF2-40B4-BE49-F238E27FC236}">
-                <a16:creationId xmlns:a16="http://schemas.microsoft.com/office/drawing/2014/main" id="{03FC5919-9E7F-E5C9-C2DB-1BC00956FF88}"/>
-              </a:ext>
-            </a:extLst>
-          </p:cNvPr>
-          <p:cNvSpPr>
-            <a:spLocks noGrp="1"/>
-          </p:cNvSpPr>
-          <p:nvPr>
-            <p:ph idx="1"/>
-          </p:nvPr>
-        </p:nvSpPr>
-        <p:spPr/>
-        <p:txBody>
-          <a:bodyPr/>
-          <a:lstStyle/>
-          <a:p>
-            <a:r>
-              <a:rPr lang="en-US" dirty="0"/>
-              <a:t>How would we design a study to refute this idea?</a:t>
-            </a:r>
-          </a:p>
-          <a:p>
-            <a:endParaRPr lang="en-US" dirty="0"/>
-          </a:p>
-          <a:p>
-            <a:endParaRPr lang="en-US" dirty="0"/>
-          </a:p>
-          <a:p>
-            <a:r>
-              <a:rPr lang="en-US" dirty="0"/>
-              <a:t>What is the fundamental problem with our experimental approach?</a:t>
-            </a:r>
-          </a:p>
-        </p:txBody>
-      </p:sp>
-      <p:pic>
-        <p:nvPicPr>
-          <p:cNvPr id="6" name="Picture 5">
-            <a:extLst>
-              <a:ext uri="{FF2B5EF4-FFF2-40B4-BE49-F238E27FC236}">
-                <a16:creationId xmlns:a16="http://schemas.microsoft.com/office/drawing/2014/main" id="{A2A7CEF8-B82F-52CE-5435-7DF322E80D15}"/>
-              </a:ext>
-            </a:extLst>
-          </p:cNvPr>
-          <p:cNvPicPr>
-            <a:picLocks noChangeAspect="1"/>
-          </p:cNvPicPr>
-          <p:nvPr/>
-        </p:nvPicPr>
-        <p:blipFill>
-          <a:blip r:embed="rId2"/>
-          <a:stretch>
-            <a:fillRect/>
-          </a:stretch>
-        </p:blipFill>
-        <p:spPr>
-          <a:xfrm>
-            <a:off x="2949718" y="4852988"/>
-            <a:ext cx="8620125" cy="1323975"/>
-          </a:xfrm>
-          <a:prstGeom prst="rect">
-            <a:avLst/>
-          </a:prstGeom>
-        </p:spPr>
-      </p:pic>
-    </p:spTree>
-    <p:extLst>
-      <p:ext uri="{BB962C8B-B14F-4D97-AF65-F5344CB8AC3E}">
-        <p14:creationId xmlns:p14="http://schemas.microsoft.com/office/powerpoint/2010/main" val="80057715"/>
-      </p:ext>
-    </p:extLst>
-  </p:cSld>
-  <p:clrMapOvr>
-    <a:masterClrMapping/>
-  </p:clrMapOvr>
-</p:sld>
-</file>
-
-<file path=ppt/slides/slide16.xml><?xml version="1.0" encoding="utf-8"?>
-<p:sld xmlns:a="http://schemas.openxmlformats.org/drawingml/2006/main" xmlns:r="http://schemas.openxmlformats.org/officeDocument/2006/relationships" xmlns:p="http://schemas.openxmlformats.org/presentationml/2006/main">
-  <p:cSld>
-    <p:spTree>
-      <p:nvGrpSpPr>
-        <p:cNvPr id="1" name=""/>
-        <p:cNvGrpSpPr/>
-        <p:nvPr/>
-      </p:nvGrpSpPr>
-      <p:grpSpPr>
-        <a:xfrm>
-          <a:off x="0" y="0"/>
-          <a:ext cx="0" cy="0"/>
-          <a:chOff x="0" y="0"/>
-          <a:chExt cx="0" cy="0"/>
-        </a:xfrm>
-      </p:grpSpPr>
-      <p:sp>
-        <p:nvSpPr>
-          <p:cNvPr id="8" name="Title 7">
-            <a:extLst>
-              <a:ext uri="{FF2B5EF4-FFF2-40B4-BE49-F238E27FC236}">
-                <a16:creationId xmlns:a16="http://schemas.microsoft.com/office/drawing/2014/main" id="{26D6A543-6D08-DCFF-F28C-D44C29FA028D}"/>
-              </a:ext>
-            </a:extLst>
-          </p:cNvPr>
-          <p:cNvSpPr>
-            <a:spLocks noGrp="1"/>
-          </p:cNvSpPr>
-          <p:nvPr>
-            <p:ph type="title"/>
-          </p:nvPr>
-        </p:nvSpPr>
-        <p:spPr/>
-        <p:txBody>
-          <a:bodyPr/>
-          <a:lstStyle/>
-          <a:p>
-            <a:endParaRPr lang="en-US"/>
-          </a:p>
-        </p:txBody>
-      </p:sp>
-      <p:sp>
-        <p:nvSpPr>
-          <p:cNvPr id="9" name="Content Placeholder 8">
-            <a:extLst>
-              <a:ext uri="{FF2B5EF4-FFF2-40B4-BE49-F238E27FC236}">
-                <a16:creationId xmlns:a16="http://schemas.microsoft.com/office/drawing/2014/main" id="{68233B34-3653-0DA6-2729-CB3C43C63FC3}"/>
-              </a:ext>
-            </a:extLst>
-          </p:cNvPr>
-          <p:cNvSpPr>
-            <a:spLocks noGrp="1"/>
-          </p:cNvSpPr>
-          <p:nvPr>
-            <p:ph sz="half" idx="1"/>
-          </p:nvPr>
-        </p:nvSpPr>
-        <p:spPr>
-          <a:xfrm>
-            <a:off x="838200" y="1825625"/>
-            <a:ext cx="4785360" cy="4351338"/>
-          </a:xfrm>
-        </p:spPr>
-        <p:txBody>
-          <a:bodyPr/>
-          <a:lstStyle/>
-          <a:p>
-            <a:endParaRPr lang="en-US" dirty="0"/>
-          </a:p>
-          <a:p>
-            <a:endParaRPr lang="en-US" dirty="0"/>
-          </a:p>
-          <a:p>
-            <a:r>
-              <a:rPr lang="en-US" dirty="0"/>
-              <a:t>Meta-analysis: combined re-analysis of a set of published research studies</a:t>
-            </a:r>
-          </a:p>
-          <a:p>
-            <a:r>
-              <a:rPr lang="en-US" dirty="0"/>
-              <a:t>Provides additional sensitivity to small effect sizes</a:t>
-            </a:r>
-          </a:p>
-          <a:p>
-            <a:r>
-              <a:rPr lang="en-US" dirty="0"/>
-              <a:t>Can be used to argue for effect size = 0</a:t>
-            </a:r>
-          </a:p>
-        </p:txBody>
-      </p:sp>
-      <p:sp>
-        <p:nvSpPr>
-          <p:cNvPr id="10" name="Content Placeholder 9">
-            <a:extLst>
-              <a:ext uri="{FF2B5EF4-FFF2-40B4-BE49-F238E27FC236}">
-                <a16:creationId xmlns:a16="http://schemas.microsoft.com/office/drawing/2014/main" id="{39A7C3C2-3C63-451F-F07A-2413B5288690}"/>
-              </a:ext>
-            </a:extLst>
-          </p:cNvPr>
-          <p:cNvSpPr>
-            <a:spLocks noGrp="1"/>
-          </p:cNvSpPr>
-          <p:nvPr>
-            <p:ph sz="half" idx="2"/>
-          </p:nvPr>
-        </p:nvSpPr>
-        <p:spPr/>
-        <p:txBody>
-          <a:bodyPr/>
-          <a:lstStyle/>
-          <a:p>
-            <a:endParaRPr lang="en-US"/>
-          </a:p>
-        </p:txBody>
-      </p:sp>
-      <p:pic>
-        <p:nvPicPr>
-          <p:cNvPr id="5" name="Picture 4">
-            <a:extLst>
-              <a:ext uri="{FF2B5EF4-FFF2-40B4-BE49-F238E27FC236}">
-                <a16:creationId xmlns:a16="http://schemas.microsoft.com/office/drawing/2014/main" id="{4B6FFE49-1AE1-7A15-20A1-B91A2D3B07E2}"/>
-              </a:ext>
-            </a:extLst>
-          </p:cNvPr>
-          <p:cNvPicPr>
-            <a:picLocks noChangeAspect="1"/>
-          </p:cNvPicPr>
-          <p:nvPr/>
-        </p:nvPicPr>
-        <p:blipFill>
-          <a:blip r:embed="rId2"/>
-          <a:stretch>
-            <a:fillRect/>
-          </a:stretch>
-        </p:blipFill>
-        <p:spPr>
-          <a:xfrm>
-            <a:off x="838200" y="199072"/>
-            <a:ext cx="7184953" cy="2239328"/>
-          </a:xfrm>
-          <a:prstGeom prst="rect">
-            <a:avLst/>
-          </a:prstGeom>
-        </p:spPr>
-      </p:pic>
-      <p:pic>
-        <p:nvPicPr>
-          <p:cNvPr id="7" name="Picture 6">
-            <a:extLst>
-              <a:ext uri="{FF2B5EF4-FFF2-40B4-BE49-F238E27FC236}">
-                <a16:creationId xmlns:a16="http://schemas.microsoft.com/office/drawing/2014/main" id="{B255BAF2-22C7-0C6F-BD86-05859A5596CC}"/>
-              </a:ext>
-            </a:extLst>
-          </p:cNvPr>
-          <p:cNvPicPr>
-            <a:picLocks noChangeAspect="1"/>
-          </p:cNvPicPr>
-          <p:nvPr/>
-        </p:nvPicPr>
-        <p:blipFill>
-          <a:blip r:embed="rId3"/>
-          <a:stretch>
-            <a:fillRect/>
-          </a:stretch>
-        </p:blipFill>
-        <p:spPr>
-          <a:xfrm>
-            <a:off x="5745480" y="1974310"/>
-            <a:ext cx="5608320" cy="4337590"/>
-          </a:xfrm>
-          <a:prstGeom prst="rect">
-            <a:avLst/>
-          </a:prstGeom>
-        </p:spPr>
-      </p:pic>
-    </p:spTree>
-    <p:extLst>
-      <p:ext uri="{BB962C8B-B14F-4D97-AF65-F5344CB8AC3E}">
-        <p14:creationId xmlns:p14="http://schemas.microsoft.com/office/powerpoint/2010/main" val="3688970238"/>
-      </p:ext>
-    </p:extLst>
-  </p:cSld>
-  <p:clrMapOvr>
-    <a:masterClrMapping/>
-  </p:clrMapOvr>
-</p:sld>
-</file>
-
-<file path=ppt/slides/slide17.xml><?xml version="1.0" encoding="utf-8"?>
-<p:sld xmlns:a="http://schemas.openxmlformats.org/drawingml/2006/main" xmlns:r="http://schemas.openxmlformats.org/officeDocument/2006/relationships" xmlns:p="http://schemas.openxmlformats.org/presentationml/2006/main">
-  <p:cSld>
-    <p:spTree>
-      <p:nvGrpSpPr>
-        <p:cNvPr id="1" name=""/>
-        <p:cNvGrpSpPr/>
-        <p:nvPr/>
-      </p:nvGrpSpPr>
-      <p:grpSpPr>
-        <a:xfrm>
-          <a:off x="0" y="0"/>
-          <a:ext cx="0" cy="0"/>
-          <a:chOff x="0" y="0"/>
-          <a:chExt cx="0" cy="0"/>
-        </a:xfrm>
-      </p:grpSpPr>
-      <p:sp>
-        <p:nvSpPr>
-          <p:cNvPr id="2" name="Title 1">
-            <a:extLst>
-              <a:ext uri="{FF2B5EF4-FFF2-40B4-BE49-F238E27FC236}">
-                <a16:creationId xmlns:a16="http://schemas.microsoft.com/office/drawing/2014/main" id="{F1F97610-BE3B-5BA7-858A-251DF9DEED42}"/>
-              </a:ext>
-            </a:extLst>
-          </p:cNvPr>
-          <p:cNvSpPr>
-            <a:spLocks noGrp="1"/>
-          </p:cNvSpPr>
-          <p:nvPr>
-            <p:ph type="title"/>
-          </p:nvPr>
-        </p:nvSpPr>
-        <p:spPr/>
-        <p:txBody>
-          <a:bodyPr/>
-          <a:lstStyle/>
-          <a:p>
-            <a:endParaRPr lang="en-US"/>
-          </a:p>
-        </p:txBody>
-      </p:sp>
-      <p:sp>
-        <p:nvSpPr>
-          <p:cNvPr id="3" name="Content Placeholder 2">
-            <a:extLst>
-              <a:ext uri="{FF2B5EF4-FFF2-40B4-BE49-F238E27FC236}">
-                <a16:creationId xmlns:a16="http://schemas.microsoft.com/office/drawing/2014/main" id="{B054EB6C-D4A5-DB4A-0B3B-E145FA51C1D7}"/>
-              </a:ext>
-            </a:extLst>
-          </p:cNvPr>
-          <p:cNvSpPr>
-            <a:spLocks noGrp="1"/>
-          </p:cNvSpPr>
-          <p:nvPr>
-            <p:ph sz="half" idx="1"/>
-          </p:nvPr>
-        </p:nvSpPr>
-        <p:spPr/>
-        <p:txBody>
-          <a:bodyPr/>
-          <a:lstStyle/>
-          <a:p>
-            <a:endParaRPr lang="en-US"/>
-          </a:p>
-        </p:txBody>
-      </p:sp>
-      <p:sp>
-        <p:nvSpPr>
-          <p:cNvPr id="4" name="Content Placeholder 3">
-            <a:extLst>
-              <a:ext uri="{FF2B5EF4-FFF2-40B4-BE49-F238E27FC236}">
-                <a16:creationId xmlns:a16="http://schemas.microsoft.com/office/drawing/2014/main" id="{64AB5A43-BA6F-E099-CED2-54AE1BD922D1}"/>
-              </a:ext>
-            </a:extLst>
-          </p:cNvPr>
-          <p:cNvSpPr>
-            <a:spLocks noGrp="1"/>
-          </p:cNvSpPr>
-          <p:nvPr>
-            <p:ph sz="half" idx="2"/>
-          </p:nvPr>
-        </p:nvSpPr>
-        <p:spPr/>
-        <p:txBody>
-          <a:bodyPr/>
-          <a:lstStyle/>
-          <a:p>
-            <a:endParaRPr lang="en-US"/>
-          </a:p>
-        </p:txBody>
-      </p:sp>
-      <p:pic>
-        <p:nvPicPr>
-          <p:cNvPr id="6" name="Picture 5">
-            <a:extLst>
-              <a:ext uri="{FF2B5EF4-FFF2-40B4-BE49-F238E27FC236}">
-                <a16:creationId xmlns:a16="http://schemas.microsoft.com/office/drawing/2014/main" id="{B91184A5-FC49-978E-D454-28F4FD264AB1}"/>
-              </a:ext>
-            </a:extLst>
-          </p:cNvPr>
-          <p:cNvPicPr>
-            <a:picLocks noChangeAspect="1"/>
-          </p:cNvPicPr>
-          <p:nvPr/>
-        </p:nvPicPr>
-        <p:blipFill>
-          <a:blip r:embed="rId2"/>
-          <a:stretch>
-            <a:fillRect/>
-          </a:stretch>
-        </p:blipFill>
-        <p:spPr>
-          <a:xfrm>
-            <a:off x="838200" y="365125"/>
-            <a:ext cx="10515600" cy="6558934"/>
-          </a:xfrm>
-          <a:prstGeom prst="rect">
-            <a:avLst/>
-          </a:prstGeom>
-        </p:spPr>
-      </p:pic>
-    </p:spTree>
-    <p:extLst>
-      <p:ext uri="{BB962C8B-B14F-4D97-AF65-F5344CB8AC3E}">
-        <p14:creationId xmlns:p14="http://schemas.microsoft.com/office/powerpoint/2010/main" val="816458030"/>
-      </p:ext>
-    </p:extLst>
-  </p:cSld>
-  <p:clrMapOvr>
-    <a:masterClrMapping/>
-  </p:clrMapOvr>
-</p:sld>
-</file>
-
-<file path=ppt/slides/slide18.xml><?xml version="1.0" encoding="utf-8"?>
-<p:sld xmlns:a="http://schemas.openxmlformats.org/drawingml/2006/main" xmlns:r="http://schemas.openxmlformats.org/officeDocument/2006/relationships" xmlns:p="http://schemas.openxmlformats.org/presentationml/2006/main">
-  <p:cSld>
-    <p:spTree>
-      <p:nvGrpSpPr>
-        <p:cNvPr id="1" name=""/>
-        <p:cNvGrpSpPr/>
-        <p:nvPr/>
-      </p:nvGrpSpPr>
-      <p:grpSpPr>
-        <a:xfrm>
-          <a:off x="0" y="0"/>
-          <a:ext cx="0" cy="0"/>
-          <a:chOff x="0" y="0"/>
-          <a:chExt cx="0" cy="0"/>
-        </a:xfrm>
-      </p:grpSpPr>
-      <p:sp>
-        <p:nvSpPr>
-          <p:cNvPr id="2" name="Title 1">
-            <a:extLst>
-              <a:ext uri="{FF2B5EF4-FFF2-40B4-BE49-F238E27FC236}">
-                <a16:creationId xmlns:a16="http://schemas.microsoft.com/office/drawing/2014/main" id="{7C9C614E-9C5A-434B-D585-3F51C0B3E056}"/>
-              </a:ext>
-            </a:extLst>
-          </p:cNvPr>
-          <p:cNvSpPr>
-            <a:spLocks noGrp="1"/>
-          </p:cNvSpPr>
-          <p:nvPr>
-            <p:ph type="title"/>
-          </p:nvPr>
-        </p:nvSpPr>
-        <p:spPr/>
-        <p:txBody>
-          <a:bodyPr/>
-          <a:lstStyle/>
-          <a:p>
-            <a:endParaRPr lang="en-US"/>
-          </a:p>
-        </p:txBody>
-      </p:sp>
-      <p:sp>
-        <p:nvSpPr>
-          <p:cNvPr id="3" name="Content Placeholder 2">
-            <a:extLst>
-              <a:ext uri="{FF2B5EF4-FFF2-40B4-BE49-F238E27FC236}">
-                <a16:creationId xmlns:a16="http://schemas.microsoft.com/office/drawing/2014/main" id="{6E01D00B-C6AC-6331-E616-4E17AA16F5E4}"/>
-              </a:ext>
-            </a:extLst>
-          </p:cNvPr>
-          <p:cNvSpPr>
-            <a:spLocks noGrp="1"/>
-          </p:cNvSpPr>
-          <p:nvPr>
-            <p:ph sz="half" idx="1"/>
-          </p:nvPr>
-        </p:nvSpPr>
-        <p:spPr/>
-        <p:txBody>
-          <a:bodyPr/>
-          <a:lstStyle/>
-          <a:p>
-            <a:endParaRPr lang="en-US"/>
-          </a:p>
-        </p:txBody>
-      </p:sp>
-      <p:sp>
-        <p:nvSpPr>
-          <p:cNvPr id="4" name="Content Placeholder 3">
-            <a:extLst>
-              <a:ext uri="{FF2B5EF4-FFF2-40B4-BE49-F238E27FC236}">
-                <a16:creationId xmlns:a16="http://schemas.microsoft.com/office/drawing/2014/main" id="{D1CAD400-41BC-B48E-E9A6-3C1F3B739EA4}"/>
-              </a:ext>
-            </a:extLst>
-          </p:cNvPr>
-          <p:cNvSpPr>
-            <a:spLocks noGrp="1"/>
-          </p:cNvSpPr>
-          <p:nvPr>
-            <p:ph sz="half" idx="2"/>
-          </p:nvPr>
-        </p:nvSpPr>
-        <p:spPr/>
-        <p:txBody>
-          <a:bodyPr/>
-          <a:lstStyle/>
-          <a:p>
-            <a:endParaRPr lang="en-US"/>
-          </a:p>
-        </p:txBody>
-      </p:sp>
-      <p:pic>
-        <p:nvPicPr>
-          <p:cNvPr id="6" name="Picture 5">
-            <a:extLst>
-              <a:ext uri="{FF2B5EF4-FFF2-40B4-BE49-F238E27FC236}">
-                <a16:creationId xmlns:a16="http://schemas.microsoft.com/office/drawing/2014/main" id="{77AF7D80-2151-5A5F-388C-301975D50BB3}"/>
-              </a:ext>
-            </a:extLst>
-          </p:cNvPr>
-          <p:cNvPicPr>
-            <a:picLocks noChangeAspect="1"/>
-          </p:cNvPicPr>
-          <p:nvPr/>
-        </p:nvPicPr>
-        <p:blipFill>
-          <a:blip r:embed="rId2"/>
-          <a:stretch>
-            <a:fillRect/>
-          </a:stretch>
-        </p:blipFill>
-        <p:spPr>
-          <a:xfrm>
-            <a:off x="716927" y="904689"/>
-            <a:ext cx="10910546" cy="5048621"/>
-          </a:xfrm>
-          <a:prstGeom prst="rect">
-            <a:avLst/>
-          </a:prstGeom>
-        </p:spPr>
-      </p:pic>
-    </p:spTree>
-    <p:extLst>
-      <p:ext uri="{BB962C8B-B14F-4D97-AF65-F5344CB8AC3E}">
-        <p14:creationId xmlns:p14="http://schemas.microsoft.com/office/powerpoint/2010/main" val="2806796604"/>
-      </p:ext>
-    </p:extLst>
-  </p:cSld>
-  <p:clrMapOvr>
-    <a:masterClrMapping/>
-  </p:clrMapOvr>
-</p:sld>
-</file>
-
-<file path=ppt/slides/slide19.xml><?xml version="1.0" encoding="utf-8"?>
-<p:sld xmlns:a="http://schemas.openxmlformats.org/drawingml/2006/main" xmlns:r="http://schemas.openxmlformats.org/officeDocument/2006/relationships" xmlns:p="http://schemas.openxmlformats.org/presentationml/2006/main">
-  <p:cSld>
-    <p:spTree>
-      <p:nvGrpSpPr>
-        <p:cNvPr id="1" name=""/>
-        <p:cNvGrpSpPr/>
-        <p:nvPr/>
-      </p:nvGrpSpPr>
-      <p:grpSpPr>
-        <a:xfrm>
-          <a:off x="0" y="0"/>
-          <a:ext cx="0" cy="0"/>
-          <a:chOff x="0" y="0"/>
-          <a:chExt cx="0" cy="0"/>
-        </a:xfrm>
-      </p:grpSpPr>
-      <p:sp>
-        <p:nvSpPr>
-          <p:cNvPr id="2" name="Title 1">
-            <a:extLst>
-              <a:ext uri="{FF2B5EF4-FFF2-40B4-BE49-F238E27FC236}">
-                <a16:creationId xmlns:a16="http://schemas.microsoft.com/office/drawing/2014/main" id="{BCAEA3B0-E8BA-F389-662B-38C0079F49E1}"/>
-              </a:ext>
-            </a:extLst>
-          </p:cNvPr>
-          <p:cNvSpPr>
-            <a:spLocks noGrp="1"/>
-          </p:cNvSpPr>
-          <p:nvPr>
-            <p:ph type="title"/>
-          </p:nvPr>
-        </p:nvSpPr>
-        <p:spPr/>
-        <p:txBody>
-          <a:bodyPr/>
-          <a:lstStyle/>
-          <a:p>
-            <a:r>
-              <a:rPr lang="en-US" dirty="0"/>
-              <a:t>Forest Plots</a:t>
-            </a:r>
-          </a:p>
-        </p:txBody>
-      </p:sp>
-      <p:pic>
-        <p:nvPicPr>
-          <p:cNvPr id="6" name="Content Placeholder 5">
-            <a:extLst>
-              <a:ext uri="{FF2B5EF4-FFF2-40B4-BE49-F238E27FC236}">
-                <a16:creationId xmlns:a16="http://schemas.microsoft.com/office/drawing/2014/main" id="{BCA0010E-6F99-4BC5-6D92-A37227299B12}"/>
-              </a:ext>
-            </a:extLst>
-          </p:cNvPr>
-          <p:cNvPicPr>
-            <a:picLocks noGrp="1" noChangeAspect="1"/>
-          </p:cNvPicPr>
-          <p:nvPr>
-            <p:ph sz="half" idx="1"/>
-          </p:nvPr>
-        </p:nvPicPr>
-        <p:blipFill>
-          <a:blip r:embed="rId2"/>
-          <a:stretch>
-            <a:fillRect/>
-          </a:stretch>
-        </p:blipFill>
-        <p:spPr>
-          <a:xfrm>
-            <a:off x="527031" y="1727676"/>
-            <a:ext cx="5756612" cy="3652044"/>
-          </a:xfrm>
-        </p:spPr>
-      </p:pic>
-      <p:pic>
-        <p:nvPicPr>
-          <p:cNvPr id="8" name="Content Placeholder 7">
-            <a:extLst>
-              <a:ext uri="{FF2B5EF4-FFF2-40B4-BE49-F238E27FC236}">
-                <a16:creationId xmlns:a16="http://schemas.microsoft.com/office/drawing/2014/main" id="{205ABA31-031A-E8FD-3EAE-DF4979DCE761}"/>
-              </a:ext>
-            </a:extLst>
-          </p:cNvPr>
-          <p:cNvPicPr>
-            <a:picLocks noGrp="1" noChangeAspect="1"/>
-          </p:cNvPicPr>
-          <p:nvPr>
-            <p:ph sz="half" idx="2"/>
-          </p:nvPr>
-        </p:nvPicPr>
-        <p:blipFill>
-          <a:blip r:embed="rId3"/>
-          <a:stretch>
-            <a:fillRect/>
-          </a:stretch>
-        </p:blipFill>
-        <p:spPr>
-          <a:xfrm>
-            <a:off x="6472237" y="1834356"/>
-            <a:ext cx="5338763" cy="5005833"/>
-          </a:xfrm>
-        </p:spPr>
-      </p:pic>
-    </p:spTree>
-    <p:extLst>
-      <p:ext uri="{BB962C8B-B14F-4D97-AF65-F5344CB8AC3E}">
-        <p14:creationId xmlns:p14="http://schemas.microsoft.com/office/powerpoint/2010/main" val="2742969029"/>
       </p:ext>
     </p:extLst>
   </p:cSld>
